--- a/Poster.pptx
+++ b/Poster.pptx
@@ -264,7 +264,7 @@
           <a:p>
             <a:fld id="{A5836533-E22B-2B4C-B5E8-F902600A42DB}" type="datetimeFigureOut">
               <a:rPr lang="en-US" smtClean="0"/>
-              <a:t>2/11/2022</a:t>
+              <a:t>2/13/2022</a:t>
             </a:fld>
             <a:endParaRPr lang="en-US"/>
           </a:p>
@@ -429,7 +429,7 @@
           <a:p>
             <a:fld id="{6F386D7A-222B-BC4E-982C-46748DC477C8}" type="datetimeFigureOut">
               <a:rPr lang="en-US" smtClean="0"/>
-              <a:t>2/11/2022</a:t>
+              <a:t>2/13/2022</a:t>
             </a:fld>
             <a:endParaRPr lang="en-US"/>
           </a:p>
@@ -5818,7 +5818,7 @@
         <p:spPr>
           <a:xfrm>
             <a:off x="21440816" y="19985058"/>
-            <a:ext cx="5207776" cy="400110"/>
+            <a:ext cx="5207776" cy="707886"/>
           </a:xfrm>
           <a:prstGeom prst="rect">
             <a:avLst/>
@@ -5855,7 +5855,7 @@
                 <a:ea typeface="Arial" charset="0"/>
                 <a:cs typeface="Arial" charset="0"/>
               </a:rPr>
-              <a:t>Sample of  most important domestic metrics.</a:t>
+              <a:t>Sample of  most important domestic metrics (ordered).</a:t>
             </a:r>
           </a:p>
         </p:txBody>
@@ -6083,7 +6083,7 @@
           <p:nvPr>
             <p:extLst>
               <p:ext uri="{D42A27DB-BD31-4B8C-83A1-F6EECF244321}">
-                <p14:modId xmlns:p14="http://schemas.microsoft.com/office/powerpoint/2010/main" val="853639845"/>
+                <p14:modId xmlns:p14="http://schemas.microsoft.com/office/powerpoint/2010/main" val="1356201994"/>
               </p:ext>
             </p:extLst>
           </p:nvPr>
@@ -7562,7 +7562,7 @@
                           <a:latin typeface="Arial" panose="020B0604020202020204" pitchFamily="34" charset="0"/>
                           <a:cs typeface="Arial" panose="020B0604020202020204" pitchFamily="34" charset="0"/>
                         </a:rPr>
-                        <a:t>3.63</a:t>
+                        <a:t>3.68</a:t>
                       </a:r>
                     </a:p>
                   </a:txBody>
@@ -7616,7 +7616,7 @@
                         <a:defRPr/>
                       </a:pPr>
                       <a:r>
-                        <a:rPr lang="en-US" sz="2600" b="0" cap="none" spc="0" dirty="0">
+                        <a:rPr lang="en-US" sz="2600" b="0" cap="none" spc="0">
                           <a:ln>
                             <a:noFill/>
                           </a:ln>
@@ -7627,8 +7627,19 @@
                           <a:latin typeface="Arial" panose="020B0604020202020204" pitchFamily="34" charset="0"/>
                           <a:cs typeface="Arial" panose="020B0604020202020204" pitchFamily="34" charset="0"/>
                         </a:rPr>
-                        <a:t>4.75</a:t>
+                        <a:t>4.72</a:t>
                       </a:r>
+                      <a:endParaRPr lang="en-US" sz="2600" b="0" cap="none" spc="0" dirty="0">
+                        <a:ln>
+                          <a:noFill/>
+                        </a:ln>
+                        <a:solidFill>
+                          <a:schemeClr val="tx1"/>
+                        </a:solidFill>
+                        <a:effectLst/>
+                        <a:latin typeface="Arial" panose="020B0604020202020204" pitchFamily="34" charset="0"/>
+                        <a:cs typeface="Arial" panose="020B0604020202020204" pitchFamily="34" charset="0"/>
+                      </a:endParaRPr>
                     </a:p>
                   </a:txBody>
                   <a:tcPr anchor="ctr">
